--- a/doc/Magicians Hat - slides.pptx
+++ b/doc/Magicians Hat - slides.pptx
@@ -3298,7 +3298,7 @@
         </p:spPr>
         <p:txBody>
           <a:bodyPr>
-            <a:normAutofit fontScale="92500"/>
+            <a:normAutofit fontScale="77500" lnSpcReduction="20000"/>
           </a:bodyPr>
           <a:lstStyle/>
           <a:p>
@@ -3388,17 +3388,62 @@
                   <a:srgbClr val="0000FF"/>
                 </a:solidFill>
               </a:rPr>
-              <a:t>Constraint: depend on GUI</a:t>
-            </a:r>
+              <a:t>Constraint: depend on </a:t>
+            </a:r>
+            <a:r>
+              <a:rPr lang="en-US" dirty="0" smtClean="0">
+                <a:solidFill>
+                  <a:srgbClr val="0000FF"/>
+                </a:solidFill>
+              </a:rPr>
+              <a:t>GUI</a:t>
+            </a:r>
+          </a:p>
+          <a:p>
+            <a:r>
+              <a:rPr lang="en-US" dirty="0" smtClean="0">
+                <a:solidFill>
+                  <a:srgbClr val="000090"/>
+                </a:solidFill>
+              </a:rPr>
+              <a:t>Image file metadata extraction</a:t>
+            </a:r>
+          </a:p>
+          <a:p>
+            <a:pPr lvl="1"/>
+            <a:r>
+              <a:rPr lang="en-US" dirty="0" smtClean="0"/>
+              <a:t>EXIF</a:t>
+            </a:r>
+          </a:p>
+          <a:p>
+            <a:pPr lvl="1"/>
+            <a:r>
+              <a:rPr lang="en-US" dirty="0" err="1" smtClean="0"/>
+              <a:t>ImageMagick</a:t>
+            </a:r>
+            <a:endParaRPr lang="en-US" dirty="0" smtClean="0"/>
+          </a:p>
+          <a:p>
+            <a:pPr lvl="1"/>
+            <a:r>
+              <a:rPr lang="en-US" dirty="0" smtClean="0">
+                <a:solidFill>
+                  <a:srgbClr val="0000FF"/>
+                </a:solidFill>
+              </a:rPr>
+              <a:t>Bug: Segment fault</a:t>
+            </a:r>
+            <a:endParaRPr lang="en-US" dirty="0" smtClean="0">
+              <a:solidFill>
+                <a:srgbClr val="0000FF"/>
+              </a:solidFill>
+            </a:endParaRPr>
           </a:p>
           <a:p>
             <a:pPr>
               <a:buNone/>
             </a:pPr>
-            <a:r>
-              <a:rPr lang="en-US" dirty="0" smtClean="0"/>
-              <a:t> </a:t>
-            </a:r>
             <a:endParaRPr lang="en-US" dirty="0"/>
           </a:p>
         </p:txBody>
@@ -3476,9 +3521,97 @@
         </p:spPr>
         <p:txBody>
           <a:bodyPr>
-            <a:normAutofit fontScale="85000" lnSpcReduction="20000"/>
+            <a:normAutofit fontScale="92500" lnSpcReduction="10000"/>
           </a:bodyPr>
           <a:lstStyle/>
+          <a:p>
+            <a:r>
+              <a:rPr lang="en-US" dirty="0" smtClean="0">
+                <a:solidFill>
+                  <a:srgbClr val="000090"/>
+                </a:solidFill>
+              </a:rPr>
+              <a:t>Similar </a:t>
+            </a:r>
+            <a:r>
+              <a:rPr lang="en-US" dirty="0" smtClean="0">
+                <a:solidFill>
+                  <a:srgbClr val="000090"/>
+                </a:solidFill>
+              </a:rPr>
+              <a:t>photos detection (advanced algorithm)</a:t>
+            </a:r>
+          </a:p>
+          <a:p>
+            <a:pPr lvl="1"/>
+            <a:r>
+              <a:rPr lang="en-US" dirty="0" smtClean="0"/>
+              <a:t>Feature data based algorithm</a:t>
+            </a:r>
+          </a:p>
+          <a:p>
+            <a:pPr lvl="1"/>
+            <a:r>
+              <a:rPr lang="en-US" dirty="0" smtClean="0"/>
+              <a:t>Fast and </a:t>
+            </a:r>
+            <a:r>
+              <a:rPr lang="en-US" dirty="0" smtClean="0"/>
+              <a:t>precise</a:t>
+            </a:r>
+            <a:endParaRPr lang="en-US" dirty="0" smtClean="0">
+              <a:solidFill>
+                <a:srgbClr val="000090"/>
+              </a:solidFill>
+            </a:endParaRPr>
+          </a:p>
+          <a:p>
+            <a:r>
+              <a:rPr lang="en-US" dirty="0" smtClean="0">
+                <a:solidFill>
+                  <a:srgbClr val="000090"/>
+                </a:solidFill>
+              </a:rPr>
+              <a:t>Advanced </a:t>
+            </a:r>
+            <a:r>
+              <a:rPr lang="en-US" dirty="0" smtClean="0">
+                <a:solidFill>
+                  <a:srgbClr val="000090"/>
+                </a:solidFill>
+              </a:rPr>
+              <a:t>backup management</a:t>
+            </a:r>
+          </a:p>
+          <a:p>
+            <a:pPr lvl="1"/>
+            <a:r>
+              <a:rPr lang="en-US" dirty="0" smtClean="0"/>
+              <a:t>Duplicates view</a:t>
+            </a:r>
+          </a:p>
+          <a:p>
+            <a:pPr lvl="1"/>
+            <a:r>
+              <a:rPr lang="en-US" dirty="0" err="1" smtClean="0"/>
+              <a:t>Dedupliationt</a:t>
+            </a:r>
+            <a:r>
+              <a:rPr lang="en-US" dirty="0" smtClean="0"/>
+              <a:t> (identical and similar)</a:t>
+            </a:r>
+          </a:p>
+          <a:p>
+            <a:pPr lvl="1"/>
+            <a:r>
+              <a:rPr lang="en-US" dirty="0" smtClean="0"/>
+              <a:t>Scheduled </a:t>
+            </a:r>
+            <a:r>
+              <a:rPr lang="en-US" dirty="0" smtClean="0"/>
+              <a:t>backup</a:t>
+            </a:r>
+          </a:p>
           <a:p>
             <a:r>
               <a:rPr lang="en-US" dirty="0" smtClean="0">
@@ -3504,85 +3637,13 @@
             </a:r>
             <a:r>
               <a:rPr lang="en-US" dirty="0" smtClean="0"/>
-              <a:t> App</a:t>
-            </a:r>
-          </a:p>
-          <a:p>
-            <a:r>
-              <a:rPr lang="en-US" dirty="0" smtClean="0">
-                <a:solidFill>
-                  <a:srgbClr val="000090"/>
-                </a:solidFill>
-              </a:rPr>
-              <a:t>Advanced search</a:t>
-            </a:r>
-          </a:p>
-          <a:p>
-            <a:pPr lvl="1"/>
+              <a:t> </a:t>
+            </a:r>
             <a:r>
               <a:rPr lang="en-US" dirty="0" smtClean="0"/>
-              <a:t>Content based search (identical and similar)</a:t>
-            </a:r>
-          </a:p>
-          <a:p>
-            <a:r>
-              <a:rPr lang="en-US" dirty="0" smtClean="0">
-                <a:solidFill>
-                  <a:srgbClr val="000090"/>
-                </a:solidFill>
-              </a:rPr>
-              <a:t>Advanced backup management</a:t>
-            </a:r>
-          </a:p>
-          <a:p>
-            <a:pPr lvl="1"/>
-            <a:r>
-              <a:rPr lang="en-US" dirty="0" smtClean="0"/>
-              <a:t>Duplicates view</a:t>
-            </a:r>
-          </a:p>
-          <a:p>
-            <a:pPr lvl="1"/>
-            <a:r>
-              <a:rPr lang="en-US" dirty="0" err="1" smtClean="0"/>
-              <a:t>Dedupliationt</a:t>
-            </a:r>
-            <a:r>
-              <a:rPr lang="en-US" dirty="0" smtClean="0"/>
-              <a:t> (identical and similar)</a:t>
-            </a:r>
-          </a:p>
-          <a:p>
-            <a:pPr lvl="1"/>
-            <a:r>
-              <a:rPr lang="en-US" dirty="0" smtClean="0"/>
-              <a:t>Scheduled backup</a:t>
-            </a:r>
-          </a:p>
-          <a:p>
-            <a:r>
-              <a:rPr lang="en-US" dirty="0" smtClean="0">
-                <a:solidFill>
-                  <a:srgbClr val="000090"/>
-                </a:solidFill>
-              </a:rPr>
-              <a:t>Similar photos detection (advanced algorithm)</a:t>
-            </a:r>
-          </a:p>
-          <a:p>
-            <a:pPr lvl="1"/>
-            <a:r>
-              <a:rPr lang="en-US" dirty="0" smtClean="0"/>
-              <a:t>Feature data based algorithm</a:t>
-            </a:r>
-          </a:p>
-          <a:p>
-            <a:pPr lvl="1"/>
-            <a:r>
-              <a:rPr lang="en-US" dirty="0" smtClean="0"/>
-              <a:t>Fast and precise</a:t>
-            </a:r>
-            <a:endParaRPr lang="en-US" dirty="0"/>
+              <a:t>App</a:t>
+            </a:r>
+            <a:endParaRPr lang="en-US" dirty="0" smtClean="0"/>
           </a:p>
         </p:txBody>
       </p:sp>
@@ -3658,7 +3719,9 @@
           </a:xfrm>
         </p:spPr>
         <p:txBody>
-          <a:bodyPr/>
+          <a:bodyPr>
+            <a:normAutofit/>
+          </a:bodyPr>
           <a:lstStyle/>
           <a:p>
             <a:r>
@@ -3683,7 +3746,13 @@
               <a:rPr lang="en-US" dirty="0" smtClean="0">
                 <a:hlinkClick r:id="rId4"/>
               </a:rPr>
-              <a:t>http://www.zeroc.com</a:t>
+              <a:t>http</a:t>
+            </a:r>
+            <a:r>
+              <a:rPr lang="en-US" dirty="0" smtClean="0">
+                <a:hlinkClick r:id="rId4"/>
+              </a:rPr>
+              <a:t>://www.sqlite.org</a:t>
             </a:r>
             <a:endParaRPr lang="en-US" dirty="0" smtClean="0"/>
           </a:p>
@@ -3692,7 +3761,13 @@
               <a:rPr lang="en-US" dirty="0" smtClean="0">
                 <a:hlinkClick r:id="rId5"/>
               </a:rPr>
-              <a:t>http://www.sqlite.org</a:t>
+              <a:t>http://</a:t>
+            </a:r>
+            <a:r>
+              <a:rPr lang="en-US" dirty="0" smtClean="0">
+                <a:hlinkClick r:id="rId5"/>
+              </a:rPr>
+              <a:t>otl.sourceforge.net</a:t>
             </a:r>
             <a:endParaRPr lang="en-US" dirty="0" smtClean="0"/>
           </a:p>
@@ -3701,7 +3776,13 @@
               <a:rPr lang="en-US" dirty="0" smtClean="0">
                 <a:hlinkClick r:id="rId6"/>
               </a:rPr>
-              <a:t>http://otl.sourceforge.net</a:t>
+              <a:t>http://www.imagemagick.org</a:t>
+            </a:r>
+            <a:r>
+              <a:rPr lang="en-US" dirty="0" smtClean="0">
+                <a:hlinkClick r:id="rId6"/>
+              </a:rPr>
+              <a:t>/</a:t>
             </a:r>
             <a:endParaRPr lang="en-US" dirty="0" smtClean="0"/>
           </a:p>
@@ -3719,7 +3800,19 @@
               <a:rPr lang="en-US" dirty="0" smtClean="0">
                 <a:hlinkClick r:id="rId8"/>
               </a:rPr>
-              <a:t>http://www.imagemagick.org/</a:t>
+              <a:t>http</a:t>
+            </a:r>
+            <a:r>
+              <a:rPr lang="en-US" dirty="0" smtClean="0">
+                <a:hlinkClick r:id="rId8"/>
+              </a:rPr>
+              <a:t>://</a:t>
+            </a:r>
+            <a:r>
+              <a:rPr lang="en-US" dirty="0" smtClean="0">
+                <a:hlinkClick r:id="rId8"/>
+              </a:rPr>
+              <a:t>www.zeroc.com</a:t>
             </a:r>
             <a:endParaRPr lang="en-US" dirty="0" smtClean="0"/>
           </a:p>
@@ -9052,7 +9145,7 @@
         </p:spPr>
         <p:txBody>
           <a:bodyPr>
-            <a:normAutofit fontScale="85000" lnSpcReduction="20000"/>
+            <a:normAutofit fontScale="77500" lnSpcReduction="20000"/>
           </a:bodyPr>
           <a:lstStyle/>
           <a:p>
@@ -9087,8 +9180,35 @@
             <a:pPr lvl="1"/>
             <a:r>
               <a:rPr lang="en-US" dirty="0" smtClean="0"/>
-              <a:t>C++, STL</a:t>
-            </a:r>
+              <a:t>C++, </a:t>
+            </a:r>
+            <a:r>
+              <a:rPr lang="en-US" dirty="0" smtClean="0"/>
+              <a:t>STL</a:t>
+            </a:r>
+          </a:p>
+          <a:p>
+            <a:pPr lvl="1"/>
+            <a:r>
+              <a:rPr lang="en-US" dirty="0" smtClean="0"/>
+              <a:t>SQLite3/OTL</a:t>
+            </a:r>
+          </a:p>
+          <a:p>
+            <a:pPr lvl="1"/>
+            <a:r>
+              <a:rPr lang="en-US" dirty="0" err="1" smtClean="0"/>
+              <a:t>ImageMagick</a:t>
+            </a:r>
+            <a:endParaRPr lang="en-US" dirty="0" smtClean="0"/>
+          </a:p>
+          <a:p>
+            <a:pPr lvl="1"/>
+            <a:r>
+              <a:rPr lang="en-US" dirty="0" err="1" smtClean="0"/>
+              <a:t>OpenCV</a:t>
+            </a:r>
+            <a:endParaRPr lang="en-US" dirty="0" smtClean="0"/>
           </a:p>
           <a:p>
             <a:pPr lvl="1"/>
@@ -9098,23 +9218,13 @@
             </a:r>
             <a:r>
               <a:rPr lang="en-US" dirty="0" smtClean="0"/>
-              <a:t> Ice</a:t>
-            </a:r>
-          </a:p>
-          <a:p>
-            <a:pPr lvl="1"/>
-            <a:r>
-              <a:rPr lang="en-US" dirty="0" err="1" smtClean="0"/>
-              <a:t>OpenCV</a:t>
+              <a:t> </a:t>
+            </a:r>
+            <a:r>
+              <a:rPr lang="en-US" dirty="0" smtClean="0"/>
+              <a:t>Ice</a:t>
             </a:r>
             <a:endParaRPr lang="en-US" dirty="0" smtClean="0"/>
-          </a:p>
-          <a:p>
-            <a:pPr lvl="1"/>
-            <a:r>
-              <a:rPr lang="en-US" dirty="0" smtClean="0"/>
-              <a:t>SQLite3</a:t>
-            </a:r>
           </a:p>
           <a:p>
             <a:pPr lvl="1"/>
@@ -9124,7 +9234,11 @@
             </a:r>
             <a:r>
               <a:rPr lang="en-US" dirty="0" smtClean="0"/>
-              <a:t> API / </a:t>
+              <a:t> </a:t>
+            </a:r>
+            <a:r>
+              <a:rPr lang="en-US" dirty="0" smtClean="0"/>
+              <a:t>API / </a:t>
             </a:r>
             <a:r>
               <a:rPr lang="en-US" dirty="0" err="1" smtClean="0"/>
@@ -9144,36 +9258,51 @@
               </a:rPr>
               <a:t>Command-line applications</a:t>
             </a:r>
+            <a:endParaRPr lang="en-US" dirty="0" smtClean="0">
+              <a:solidFill>
+                <a:srgbClr val="000090"/>
+              </a:solidFill>
+            </a:endParaRPr>
           </a:p>
           <a:p>
             <a:pPr lvl="1"/>
             <a:r>
-              <a:rPr lang="en-US" dirty="0" err="1"/>
+              <a:rPr lang="en-US" dirty="0" err="1" smtClean="0"/>
               <a:t>h</a:t>
             </a:r>
             <a:r>
               <a:rPr lang="en-US" dirty="0" err="1" smtClean="0"/>
               <a:t>atcore</a:t>
             </a:r>
-            <a:endParaRPr lang="en-US" dirty="0" smtClean="0"/>
+            <a:r>
+              <a:rPr lang="en-US" dirty="0" smtClean="0"/>
+              <a:t>: central service with database</a:t>
+            </a:r>
           </a:p>
           <a:p>
             <a:pPr lvl="1"/>
             <a:r>
-              <a:rPr lang="en-US" dirty="0" err="1"/>
+              <a:rPr lang="en-US" dirty="0" err="1" smtClean="0"/>
               <a:t>h</a:t>
             </a:r>
             <a:r>
               <a:rPr lang="en-US" dirty="0" err="1" smtClean="0"/>
               <a:t>atsync</a:t>
             </a:r>
-            <a:endParaRPr lang="en-US" dirty="0" smtClean="0"/>
+            <a:r>
+              <a:rPr lang="en-US" dirty="0" smtClean="0"/>
+              <a:t>: file synchronizer</a:t>
+            </a:r>
           </a:p>
           <a:p>
             <a:pPr lvl="1"/>
             <a:r>
               <a:rPr lang="en-US" dirty="0" smtClean="0"/>
-              <a:t>Hat</a:t>
+              <a:t>h</a:t>
+            </a:r>
+            <a:r>
+              <a:rPr lang="en-US" dirty="0" smtClean="0"/>
+              <a:t>at: user interface demo</a:t>
             </a:r>
           </a:p>
           <a:p>
@@ -9268,7 +9397,7 @@
         </p:spPr>
         <p:txBody>
           <a:bodyPr>
-            <a:normAutofit fontScale="85000" lnSpcReduction="20000"/>
+            <a:normAutofit fontScale="77500" lnSpcReduction="20000"/>
           </a:bodyPr>
           <a:lstStyle/>
           <a:p>
@@ -9360,28 +9489,32 @@
           </a:p>
           <a:p>
             <a:r>
-              <a:rPr lang="en-US" dirty="0">
-                <a:solidFill>
-                  <a:srgbClr val="000090"/>
-                </a:solidFill>
-              </a:rPr>
-              <a:t>S</a:t>
-            </a:r>
-            <a:r>
               <a:rPr lang="en-US" dirty="0" smtClean="0">
                 <a:solidFill>
                   <a:srgbClr val="000090"/>
                 </a:solidFill>
               </a:rPr>
-              <a:t>imilar photos detection (simple algorithm)</a:t>
+              <a:t>Similar photos detection (simple algorithm)</a:t>
             </a:r>
           </a:p>
           <a:p>
             <a:pPr lvl="1"/>
             <a:r>
               <a:rPr lang="en-US" dirty="0" smtClean="0"/>
-              <a:t>Histogram based</a:t>
-            </a:r>
+              <a:t>Histogram </a:t>
+            </a:r>
+            <a:r>
+              <a:rPr lang="en-US" dirty="0" smtClean="0"/>
+              <a:t>based</a:t>
+            </a:r>
+          </a:p>
+          <a:p>
+            <a:pPr lvl="1"/>
+            <a:r>
+              <a:rPr lang="en-US" dirty="0" smtClean="0"/>
+              <a:t>Euclidean distance of histograms</a:t>
+            </a:r>
+            <a:endParaRPr lang="en-US" dirty="0" smtClean="0"/>
           </a:p>
           <a:p>
             <a:pPr lvl="1"/>
